--- a/03_메뉴설계.pptx
+++ b/03_메뉴설계.pptx
@@ -247,7 +247,7 @@
   </p:defaultTextStyle>
   <p:extLst>
     <p:ext uri="{EFAFB233-063F-42B5-8137-9DF3F51BA10A}">
-      <p15:sldGuideLst xmlns:p15="http://schemas.microsoft.com/office/powerpoint/2012/main" xmlns:p14="http://schemas.microsoft.com/office/powerpoint/2010/main" xmlns:com="http://schemas.openxmlformats.org/drawingml/2006/compatibility" xmlns:pvml="urn:schemas-microsoft-com:office:powerpoint" xmlns:v="urn:schemas-microsoft-com:vml" xmlns:o="urn:schemas-microsoft-com:office:office" xmlns:dgm="http://schemas.openxmlformats.org/drawingml/2006/diagram" xmlns:c="http://schemas.openxmlformats.org/drawingml/2006/chart" xmlns:mv="urn:schemas-microsoft-com:mac:vml" xmlns:mc="http://schemas.openxmlformats.org/markup-compatibility/2006" xmlns="">
+      <p15:sldGuideLst xmlns="" xmlns:mc="http://schemas.openxmlformats.org/markup-compatibility/2006" xmlns:mv="urn:schemas-microsoft-com:mac:vml" xmlns:c="http://schemas.openxmlformats.org/drawingml/2006/chart" xmlns:dgm="http://schemas.openxmlformats.org/drawingml/2006/diagram" xmlns:o="urn:schemas-microsoft-com:office:office" xmlns:v="urn:schemas-microsoft-com:vml" xmlns:pvml="urn:schemas-microsoft-com:office:powerpoint" xmlns:com="http://schemas.openxmlformats.org/drawingml/2006/compatibility" xmlns:p14="http://schemas.microsoft.com/office/powerpoint/2010/main" xmlns:p15="http://schemas.microsoft.com/office/powerpoint/2012/main">
         <p15:guide id="1" orient="horz" pos="2160">
           <p15:clr>
             <a:srgbClr val="A4A3A4"/>
@@ -6268,15 +6268,45 @@
           </a:fontRef>
         </p:style>
       </p:cxnSp>
-      <p:sp>
-        <p:nvSpPr>
-          <p:cNvPr id="31" name="직사각형 30"/>
+      <p:cxnSp>
+        <p:nvCxnSpPr>
+          <p:cNvPr id="36" name="직선 연결선 35"/>
+          <p:cNvCxnSpPr/>
+          <p:nvPr/>
+        </p:nvCxnSpPr>
+        <p:spPr>
+          <a:xfrm>
+            <a:off x="1567073" y="3399422"/>
+            <a:ext cx="0" cy="274071"/>
+          </a:xfrm>
+          <a:prstGeom prst="line">
+            <a:avLst/>
+          </a:prstGeom>
+        </p:spPr>
+        <p:style>
+          <a:lnRef idx="2">
+            <a:schemeClr val="dk1"/>
+          </a:lnRef>
+          <a:fillRef idx="0">
+            <a:schemeClr val="dk1"/>
+          </a:fillRef>
+          <a:effectRef idx="1">
+            <a:schemeClr val="dk1"/>
+          </a:effectRef>
+          <a:fontRef idx="minor">
+            <a:schemeClr val="tx1"/>
+          </a:fontRef>
+        </p:style>
+      </p:cxnSp>
+      <p:sp>
+        <p:nvSpPr>
+          <p:cNvPr id="61" name="직사각형 60"/>
           <p:cNvSpPr/>
           <p:nvPr/>
         </p:nvSpPr>
         <p:spPr>
           <a:xfrm>
-            <a:off x="7328239" y="3687141"/>
+            <a:off x="497171" y="4341106"/>
             <a:ext cx="2112508" cy="411719"/>
           </a:xfrm>
           <a:prstGeom prst="rect">
@@ -6333,24 +6363,7 @@
                 <a:latin typeface="나눔바른고딕" panose="020B0603020101020101" pitchFamily="50" charset="-127"/>
                 <a:ea typeface="나눔바른고딕" panose="020B0603020101020101" pitchFamily="50" charset="-127"/>
               </a:rPr>
-              <a:t>자유게시</a:t>
-            </a:r>
-            <a:r>
-              <a:rPr lang="ko-KR" altLang="en-US" b="1" dirty="0">
-                <a:ln>
-                  <a:solidFill>
-                    <a:srgbClr val="EB5175">
-                      <a:alpha val="0"/>
-                    </a:srgbClr>
-                  </a:solidFill>
-                </a:ln>
-                <a:solidFill>
-                  <a:schemeClr val="bg1"/>
-                </a:solidFill>
-                <a:latin typeface="나눔바른고딕" panose="020B0603020101020101" pitchFamily="50" charset="-127"/>
-                <a:ea typeface="나눔바른고딕" panose="020B0603020101020101" pitchFamily="50" charset="-127"/>
-              </a:rPr>
-              <a:t>판</a:t>
+              <a:t>아이디 찾기</a:t>
             </a:r>
             <a:endParaRPr lang="en-US" altLang="ko-KR" b="1" dirty="0">
               <a:ln>
@@ -6371,13 +6384,13 @@
       </p:sp>
       <p:sp>
         <p:nvSpPr>
-          <p:cNvPr id="32" name="직사각형 31"/>
+          <p:cNvPr id="62" name="직사각형 61"/>
           <p:cNvSpPr/>
           <p:nvPr/>
         </p:nvSpPr>
         <p:spPr>
           <a:xfrm>
-            <a:off x="7328239" y="4377519"/>
+            <a:off x="497171" y="4995071"/>
             <a:ext cx="2112508" cy="411719"/>
           </a:xfrm>
           <a:prstGeom prst="rect">
@@ -6434,7 +6447,7 @@
                 <a:latin typeface="나눔바른고딕" panose="020B0603020101020101" pitchFamily="50" charset="-127"/>
                 <a:ea typeface="나눔바른고딕" panose="020B0603020101020101" pitchFamily="50" charset="-127"/>
               </a:rPr>
-              <a:t>중고 거래 게시판</a:t>
+              <a:t>비밀번호 찾기</a:t>
             </a:r>
             <a:endParaRPr lang="en-US" altLang="ko-KR" b="1" dirty="0">
               <a:ln>
@@ -6453,421 +6466,6 @@
           </a:p>
         </p:txBody>
       </p:sp>
-      <p:sp>
-        <p:nvSpPr>
-          <p:cNvPr id="33" name="직사각형 32"/>
-          <p:cNvSpPr/>
-          <p:nvPr/>
-        </p:nvSpPr>
-        <p:spPr>
-          <a:xfrm>
-            <a:off x="7328239" y="5053035"/>
-            <a:ext cx="2112508" cy="411719"/>
-          </a:xfrm>
-          <a:prstGeom prst="rect">
-            <a:avLst/>
-          </a:prstGeom>
-          <a:solidFill>
-            <a:srgbClr val="3E3D43"/>
-          </a:solidFill>
-          <a:ln>
-            <a:noFill/>
-          </a:ln>
-        </p:spPr>
-        <p:style>
-          <a:lnRef idx="2">
-            <a:schemeClr val="accent1">
-              <a:shade val="50000"/>
-            </a:schemeClr>
-          </a:lnRef>
-          <a:fillRef idx="1">
-            <a:schemeClr val="accent1"/>
-          </a:fillRef>
-          <a:effectRef idx="0">
-            <a:schemeClr val="accent1"/>
-          </a:effectRef>
-          <a:fontRef idx="minor">
-            <a:schemeClr val="lt1"/>
-          </a:fontRef>
-        </p:style>
-        <p:txBody>
-          <a:bodyPr rtlCol="0" anchor="ctr"/>
-          <a:lstStyle/>
-          <a:p>
-            <a:pPr algn="ctr" latinLnBrk="0">
-              <a:spcBef>
-                <a:spcPts val="171"/>
-              </a:spcBef>
-              <a:tabLst>
-                <a:tab pos="60873" algn="l"/>
-                <a:tab pos="97396" algn="l"/>
-              </a:tabLst>
-            </a:pPr>
-            <a:r>
-              <a:rPr lang="ko-KR" altLang="en-US" b="1" dirty="0" smtClean="0">
-                <a:ln>
-                  <a:solidFill>
-                    <a:srgbClr val="EB5175">
-                      <a:alpha val="0"/>
-                    </a:srgbClr>
-                  </a:solidFill>
-                </a:ln>
-                <a:solidFill>
-                  <a:schemeClr val="bg1"/>
-                </a:solidFill>
-                <a:latin typeface="나눔바른고딕" panose="020B0603020101020101" pitchFamily="50" charset="-127"/>
-                <a:ea typeface="나눔바른고딕" panose="020B0603020101020101" pitchFamily="50" charset="-127"/>
-              </a:rPr>
-              <a:t>공지</a:t>
-            </a:r>
-            <a:r>
-              <a:rPr lang="en-US" altLang="ko-KR" b="1" dirty="0" smtClean="0">
-                <a:ln>
-                  <a:solidFill>
-                    <a:srgbClr val="EB5175">
-                      <a:alpha val="0"/>
-                    </a:srgbClr>
-                  </a:solidFill>
-                </a:ln>
-                <a:solidFill>
-                  <a:schemeClr val="bg1"/>
-                </a:solidFill>
-                <a:latin typeface="나눔바른고딕" panose="020B0603020101020101" pitchFamily="50" charset="-127"/>
-                <a:ea typeface="나눔바른고딕" panose="020B0603020101020101" pitchFamily="50" charset="-127"/>
-              </a:rPr>
-              <a:t>/</a:t>
-            </a:r>
-            <a:r>
-              <a:rPr lang="ko-KR" altLang="en-US" b="1" dirty="0" smtClean="0">
-                <a:ln>
-                  <a:solidFill>
-                    <a:srgbClr val="EB5175">
-                      <a:alpha val="0"/>
-                    </a:srgbClr>
-                  </a:solidFill>
-                </a:ln>
-                <a:solidFill>
-                  <a:schemeClr val="bg1"/>
-                </a:solidFill>
-                <a:latin typeface="나눔바른고딕" panose="020B0603020101020101" pitchFamily="50" charset="-127"/>
-                <a:ea typeface="나눔바른고딕" panose="020B0603020101020101" pitchFamily="50" charset="-127"/>
-              </a:rPr>
-              <a:t>이벤트</a:t>
-            </a:r>
-            <a:endParaRPr lang="en-US" altLang="ko-KR" b="1" dirty="0">
-              <a:ln>
-                <a:solidFill>
-                  <a:srgbClr val="EB5175">
-                    <a:alpha val="0"/>
-                  </a:srgbClr>
-                </a:solidFill>
-              </a:ln>
-              <a:solidFill>
-                <a:schemeClr val="bg1"/>
-              </a:solidFill>
-              <a:latin typeface="나눔바른고딕" panose="020B0603020101020101" pitchFamily="50" charset="-127"/>
-              <a:ea typeface="나눔바른고딕" panose="020B0603020101020101" pitchFamily="50" charset="-127"/>
-            </a:endParaRPr>
-          </a:p>
-        </p:txBody>
-      </p:sp>
-      <p:cxnSp>
-        <p:nvCxnSpPr>
-          <p:cNvPr id="36" name="직선 연결선 35"/>
-          <p:cNvCxnSpPr/>
-          <p:nvPr/>
-        </p:nvCxnSpPr>
-        <p:spPr>
-          <a:xfrm>
-            <a:off x="1567073" y="3399422"/>
-            <a:ext cx="0" cy="274071"/>
-          </a:xfrm>
-          <a:prstGeom prst="line">
-            <a:avLst/>
-          </a:prstGeom>
-        </p:spPr>
-        <p:style>
-          <a:lnRef idx="2">
-            <a:schemeClr val="dk1"/>
-          </a:lnRef>
-          <a:fillRef idx="0">
-            <a:schemeClr val="dk1"/>
-          </a:fillRef>
-          <a:effectRef idx="1">
-            <a:schemeClr val="dk1"/>
-          </a:effectRef>
-          <a:fontRef idx="minor">
-            <a:schemeClr val="tx1"/>
-          </a:fontRef>
-        </p:style>
-      </p:cxnSp>
-      <p:cxnSp>
-        <p:nvCxnSpPr>
-          <p:cNvPr id="41" name="직선 연결선 40"/>
-          <p:cNvCxnSpPr>
-            <a:stCxn id="7" idx="2"/>
-            <a:endCxn id="31" idx="0"/>
-          </p:cNvCxnSpPr>
-          <p:nvPr/>
-        </p:nvCxnSpPr>
-        <p:spPr>
-          <a:xfrm>
-            <a:off x="8384493" y="3413069"/>
-            <a:ext cx="0" cy="274072"/>
-          </a:xfrm>
-          <a:prstGeom prst="line">
-            <a:avLst/>
-          </a:prstGeom>
-        </p:spPr>
-        <p:style>
-          <a:lnRef idx="2">
-            <a:schemeClr val="dk1"/>
-          </a:lnRef>
-          <a:fillRef idx="0">
-            <a:schemeClr val="dk1"/>
-          </a:fillRef>
-          <a:effectRef idx="1">
-            <a:schemeClr val="dk1"/>
-          </a:effectRef>
-          <a:fontRef idx="minor">
-            <a:schemeClr val="tx1"/>
-          </a:fontRef>
-        </p:style>
-      </p:cxnSp>
-      <p:cxnSp>
-        <p:nvCxnSpPr>
-          <p:cNvPr id="43" name="직선 연결선 42"/>
-          <p:cNvCxnSpPr>
-            <a:stCxn id="31" idx="2"/>
-            <a:endCxn id="32" idx="0"/>
-          </p:cNvCxnSpPr>
-          <p:nvPr/>
-        </p:nvCxnSpPr>
-        <p:spPr>
-          <a:xfrm>
-            <a:off x="8384493" y="4098860"/>
-            <a:ext cx="0" cy="278659"/>
-          </a:xfrm>
-          <a:prstGeom prst="line">
-            <a:avLst/>
-          </a:prstGeom>
-        </p:spPr>
-        <p:style>
-          <a:lnRef idx="2">
-            <a:schemeClr val="dk1"/>
-          </a:lnRef>
-          <a:fillRef idx="0">
-            <a:schemeClr val="dk1"/>
-          </a:fillRef>
-          <a:effectRef idx="1">
-            <a:schemeClr val="dk1"/>
-          </a:effectRef>
-          <a:fontRef idx="minor">
-            <a:schemeClr val="tx1"/>
-          </a:fontRef>
-        </p:style>
-      </p:cxnSp>
-      <p:cxnSp>
-        <p:nvCxnSpPr>
-          <p:cNvPr id="46" name="직선 연결선 45"/>
-          <p:cNvCxnSpPr>
-            <a:stCxn id="32" idx="2"/>
-            <a:endCxn id="33" idx="0"/>
-          </p:cNvCxnSpPr>
-          <p:nvPr/>
-        </p:nvCxnSpPr>
-        <p:spPr>
-          <a:xfrm>
-            <a:off x="8384493" y="4789238"/>
-            <a:ext cx="0" cy="263797"/>
-          </a:xfrm>
-          <a:prstGeom prst="line">
-            <a:avLst/>
-          </a:prstGeom>
-        </p:spPr>
-        <p:style>
-          <a:lnRef idx="2">
-            <a:schemeClr val="dk1"/>
-          </a:lnRef>
-          <a:fillRef idx="0">
-            <a:schemeClr val="dk1"/>
-          </a:fillRef>
-          <a:effectRef idx="1">
-            <a:schemeClr val="dk1"/>
-          </a:effectRef>
-          <a:fontRef idx="minor">
-            <a:schemeClr val="tx1"/>
-          </a:fontRef>
-        </p:style>
-      </p:cxnSp>
-      <p:sp>
-        <p:nvSpPr>
-          <p:cNvPr id="61" name="직사각형 60"/>
-          <p:cNvSpPr/>
-          <p:nvPr/>
-        </p:nvSpPr>
-        <p:spPr>
-          <a:xfrm>
-            <a:off x="497171" y="4341106"/>
-            <a:ext cx="2112508" cy="411719"/>
-          </a:xfrm>
-          <a:prstGeom prst="rect">
-            <a:avLst/>
-          </a:prstGeom>
-          <a:solidFill>
-            <a:srgbClr val="3E3D43"/>
-          </a:solidFill>
-          <a:ln>
-            <a:noFill/>
-          </a:ln>
-        </p:spPr>
-        <p:style>
-          <a:lnRef idx="2">
-            <a:schemeClr val="accent1">
-              <a:shade val="50000"/>
-            </a:schemeClr>
-          </a:lnRef>
-          <a:fillRef idx="1">
-            <a:schemeClr val="accent1"/>
-          </a:fillRef>
-          <a:effectRef idx="0">
-            <a:schemeClr val="accent1"/>
-          </a:effectRef>
-          <a:fontRef idx="minor">
-            <a:schemeClr val="lt1"/>
-          </a:fontRef>
-        </p:style>
-        <p:txBody>
-          <a:bodyPr rtlCol="0" anchor="ctr"/>
-          <a:lstStyle/>
-          <a:p>
-            <a:pPr algn="ctr" latinLnBrk="0">
-              <a:spcBef>
-                <a:spcPts val="171"/>
-              </a:spcBef>
-              <a:tabLst>
-                <a:tab pos="60873" algn="l"/>
-                <a:tab pos="97396" algn="l"/>
-              </a:tabLst>
-            </a:pPr>
-            <a:r>
-              <a:rPr lang="ko-KR" altLang="en-US" b="1" dirty="0" smtClean="0">
-                <a:ln>
-                  <a:solidFill>
-                    <a:srgbClr val="EB5175">
-                      <a:alpha val="0"/>
-                    </a:srgbClr>
-                  </a:solidFill>
-                </a:ln>
-                <a:solidFill>
-                  <a:schemeClr val="bg1"/>
-                </a:solidFill>
-                <a:latin typeface="나눔바른고딕" panose="020B0603020101020101" pitchFamily="50" charset="-127"/>
-                <a:ea typeface="나눔바른고딕" panose="020B0603020101020101" pitchFamily="50" charset="-127"/>
-              </a:rPr>
-              <a:t>아이디 찾기</a:t>
-            </a:r>
-            <a:endParaRPr lang="en-US" altLang="ko-KR" b="1" dirty="0">
-              <a:ln>
-                <a:solidFill>
-                  <a:srgbClr val="EB5175">
-                    <a:alpha val="0"/>
-                  </a:srgbClr>
-                </a:solidFill>
-              </a:ln>
-              <a:solidFill>
-                <a:schemeClr val="bg1"/>
-              </a:solidFill>
-              <a:latin typeface="나눔바른고딕" panose="020B0603020101020101" pitchFamily="50" charset="-127"/>
-              <a:ea typeface="나눔바른고딕" panose="020B0603020101020101" pitchFamily="50" charset="-127"/>
-            </a:endParaRPr>
-          </a:p>
-        </p:txBody>
-      </p:sp>
-      <p:sp>
-        <p:nvSpPr>
-          <p:cNvPr id="62" name="직사각형 61"/>
-          <p:cNvSpPr/>
-          <p:nvPr/>
-        </p:nvSpPr>
-        <p:spPr>
-          <a:xfrm>
-            <a:off x="497171" y="4995071"/>
-            <a:ext cx="2112508" cy="411719"/>
-          </a:xfrm>
-          <a:prstGeom prst="rect">
-            <a:avLst/>
-          </a:prstGeom>
-          <a:solidFill>
-            <a:srgbClr val="3E3D43"/>
-          </a:solidFill>
-          <a:ln>
-            <a:noFill/>
-          </a:ln>
-        </p:spPr>
-        <p:style>
-          <a:lnRef idx="2">
-            <a:schemeClr val="accent1">
-              <a:shade val="50000"/>
-            </a:schemeClr>
-          </a:lnRef>
-          <a:fillRef idx="1">
-            <a:schemeClr val="accent1"/>
-          </a:fillRef>
-          <a:effectRef idx="0">
-            <a:schemeClr val="accent1"/>
-          </a:effectRef>
-          <a:fontRef idx="minor">
-            <a:schemeClr val="lt1"/>
-          </a:fontRef>
-        </p:style>
-        <p:txBody>
-          <a:bodyPr rtlCol="0" anchor="ctr"/>
-          <a:lstStyle/>
-          <a:p>
-            <a:pPr algn="ctr" latinLnBrk="0">
-              <a:spcBef>
-                <a:spcPts val="171"/>
-              </a:spcBef>
-              <a:tabLst>
-                <a:tab pos="60873" algn="l"/>
-                <a:tab pos="97396" algn="l"/>
-              </a:tabLst>
-            </a:pPr>
-            <a:r>
-              <a:rPr lang="ko-KR" altLang="en-US" b="1" dirty="0" smtClean="0">
-                <a:ln>
-                  <a:solidFill>
-                    <a:srgbClr val="EB5175">
-                      <a:alpha val="0"/>
-                    </a:srgbClr>
-                  </a:solidFill>
-                </a:ln>
-                <a:solidFill>
-                  <a:schemeClr val="bg1"/>
-                </a:solidFill>
-                <a:latin typeface="나눔바른고딕" panose="020B0603020101020101" pitchFamily="50" charset="-127"/>
-                <a:ea typeface="나눔바른고딕" panose="020B0603020101020101" pitchFamily="50" charset="-127"/>
-              </a:rPr>
-              <a:t>비밀번호 찾기</a:t>
-            </a:r>
-            <a:endParaRPr lang="en-US" altLang="ko-KR" b="1" dirty="0">
-              <a:ln>
-                <a:solidFill>
-                  <a:srgbClr val="EB5175">
-                    <a:alpha val="0"/>
-                  </a:srgbClr>
-                </a:solidFill>
-              </a:ln>
-              <a:solidFill>
-                <a:schemeClr val="bg1"/>
-              </a:solidFill>
-              <a:latin typeface="나눔바른고딕" panose="020B0603020101020101" pitchFamily="50" charset="-127"/>
-              <a:ea typeface="나눔바른고딕" panose="020B0603020101020101" pitchFamily="50" charset="-127"/>
-            </a:endParaRPr>
-          </a:p>
-        </p:txBody>
-      </p:sp>
       <p:cxnSp>
         <p:nvCxnSpPr>
           <p:cNvPr id="64" name="직선 연결선 63"/>
@@ -6910,120 +6508,6 @@
         <p:spPr>
           <a:xfrm>
             <a:off x="1553425" y="4752825"/>
-            <a:ext cx="0" cy="242246"/>
-          </a:xfrm>
-          <a:prstGeom prst="line">
-            <a:avLst/>
-          </a:prstGeom>
-        </p:spPr>
-        <p:style>
-          <a:lnRef idx="2">
-            <a:schemeClr val="dk1"/>
-          </a:lnRef>
-          <a:fillRef idx="0">
-            <a:schemeClr val="dk1"/>
-          </a:fillRef>
-          <a:effectRef idx="1">
-            <a:schemeClr val="dk1"/>
-          </a:effectRef>
-          <a:fontRef idx="minor">
-            <a:schemeClr val="tx1"/>
-          </a:fontRef>
-        </p:style>
-      </p:cxnSp>
-      <p:sp>
-        <p:nvSpPr>
-          <p:cNvPr id="67" name="직사각형 66"/>
-          <p:cNvSpPr/>
-          <p:nvPr/>
-        </p:nvSpPr>
-        <p:spPr>
-          <a:xfrm>
-            <a:off x="510819" y="5613757"/>
-            <a:ext cx="2112508" cy="411719"/>
-          </a:xfrm>
-          <a:prstGeom prst="rect">
-            <a:avLst/>
-          </a:prstGeom>
-          <a:solidFill>
-            <a:srgbClr val="3E3D43"/>
-          </a:solidFill>
-          <a:ln>
-            <a:noFill/>
-          </a:ln>
-        </p:spPr>
-        <p:style>
-          <a:lnRef idx="2">
-            <a:schemeClr val="accent1">
-              <a:shade val="50000"/>
-            </a:schemeClr>
-          </a:lnRef>
-          <a:fillRef idx="1">
-            <a:schemeClr val="accent1"/>
-          </a:fillRef>
-          <a:effectRef idx="0">
-            <a:schemeClr val="accent1"/>
-          </a:effectRef>
-          <a:fontRef idx="minor">
-            <a:schemeClr val="lt1"/>
-          </a:fontRef>
-        </p:style>
-        <p:txBody>
-          <a:bodyPr rtlCol="0" anchor="ctr"/>
-          <a:lstStyle/>
-          <a:p>
-            <a:pPr algn="ctr" latinLnBrk="0">
-              <a:spcBef>
-                <a:spcPts val="171"/>
-              </a:spcBef>
-              <a:tabLst>
-                <a:tab pos="60873" algn="l"/>
-                <a:tab pos="97396" algn="l"/>
-              </a:tabLst>
-            </a:pPr>
-            <a:r>
-              <a:rPr lang="ko-KR" altLang="en-US" b="1" dirty="0" smtClean="0">
-                <a:ln>
-                  <a:solidFill>
-                    <a:srgbClr val="EB5175">
-                      <a:alpha val="0"/>
-                    </a:srgbClr>
-                  </a:solidFill>
-                </a:ln>
-                <a:solidFill>
-                  <a:schemeClr val="bg1"/>
-                </a:solidFill>
-                <a:latin typeface="나눔바른고딕" panose="020B0603020101020101" pitchFamily="50" charset="-127"/>
-                <a:ea typeface="나눔바른고딕" panose="020B0603020101020101" pitchFamily="50" charset="-127"/>
-              </a:rPr>
-              <a:t>비회원 구매하기</a:t>
-            </a:r>
-            <a:endParaRPr lang="en-US" altLang="ko-KR" b="1" dirty="0">
-              <a:ln>
-                <a:solidFill>
-                  <a:srgbClr val="EB5175">
-                    <a:alpha val="0"/>
-                  </a:srgbClr>
-                </a:solidFill>
-              </a:ln>
-              <a:solidFill>
-                <a:schemeClr val="bg1"/>
-              </a:solidFill>
-              <a:latin typeface="나눔바른고딕" panose="020B0603020101020101" pitchFamily="50" charset="-127"/>
-              <a:ea typeface="나눔바른고딕" panose="020B0603020101020101" pitchFamily="50" charset="-127"/>
-            </a:endParaRPr>
-          </a:p>
-        </p:txBody>
-      </p:sp>
-      <p:cxnSp>
-        <p:nvCxnSpPr>
-          <p:cNvPr id="68" name="직선 연결선 67"/>
-          <p:cNvCxnSpPr/>
-          <p:nvPr/>
-        </p:nvCxnSpPr>
-        <p:spPr>
-          <a:xfrm>
-            <a:off x="1567073" y="5371511"/>
             <a:ext cx="0" cy="242246"/>
           </a:xfrm>
           <a:prstGeom prst="line">
@@ -7993,13 +7477,13 @@
       </p:cxnSp>
       <p:sp>
         <p:nvSpPr>
-          <p:cNvPr id="42" name="직사각형 41"/>
+          <p:cNvPr id="45" name="직사각형 44"/>
           <p:cNvSpPr/>
           <p:nvPr/>
         </p:nvSpPr>
         <p:spPr>
           <a:xfrm>
-            <a:off x="497171" y="4369612"/>
+            <a:off x="4968959" y="3015402"/>
             <a:ext cx="2112508" cy="411719"/>
           </a:xfrm>
           <a:prstGeom prst="rect">
@@ -8056,7 +7540,7 @@
                 <a:latin typeface="나눔바른고딕" panose="020B0603020101020101" pitchFamily="50" charset="-127"/>
                 <a:ea typeface="나눔바른고딕" panose="020B0603020101020101" pitchFamily="50" charset="-127"/>
               </a:rPr>
-              <a:t>한정 수량 특가</a:t>
+              <a:t>쪽지</a:t>
             </a:r>
             <a:endParaRPr lang="en-US" altLang="ko-KR" b="1" dirty="0">
               <a:ln>
@@ -8077,46 +7561,44 @@
       </p:sp>
       <p:cxnSp>
         <p:nvCxnSpPr>
-          <p:cNvPr id="44" name="직선 연결선 43"/>
-          <p:cNvCxnSpPr>
-            <a:stCxn id="39" idx="2"/>
-            <a:endCxn id="42" idx="0"/>
-          </p:cNvCxnSpPr>
+          <p:cNvPr id="47" name="직선 연결선 46"/>
+          <p:cNvCxnSpPr/>
           <p:nvPr/>
         </p:nvCxnSpPr>
         <p:spPr>
+          <a:xfrm flipV="1">
+            <a:off x="5992727" y="2429447"/>
+            <a:ext cx="0" cy="585957"/>
+          </a:xfrm>
+          <a:prstGeom prst="line">
+            <a:avLst/>
+          </a:prstGeom>
+          <a:ln/>
+        </p:spPr>
+        <p:style>
+          <a:lnRef idx="2">
+            <a:schemeClr val="dk1"/>
+          </a:lnRef>
+          <a:fillRef idx="0">
+            <a:schemeClr val="dk1"/>
+          </a:fillRef>
+          <a:effectRef idx="1">
+            <a:schemeClr val="dk1"/>
+          </a:effectRef>
+          <a:fontRef idx="minor">
+            <a:schemeClr val="tx1"/>
+          </a:fontRef>
+        </p:style>
+      </p:cxnSp>
+      <p:sp>
+        <p:nvSpPr>
+          <p:cNvPr id="48" name="직사각형 47"/>
+          <p:cNvSpPr/>
+          <p:nvPr/>
+        </p:nvSpPr>
+        <p:spPr>
           <a:xfrm>
-            <a:off x="1553425" y="4106863"/>
-            <a:ext cx="0" cy="262749"/>
-          </a:xfrm>
-          <a:prstGeom prst="line">
-            <a:avLst/>
-          </a:prstGeom>
-        </p:spPr>
-        <p:style>
-          <a:lnRef idx="2">
-            <a:schemeClr val="dk1"/>
-          </a:lnRef>
-          <a:fillRef idx="0">
-            <a:schemeClr val="dk1"/>
-          </a:fillRef>
-          <a:effectRef idx="1">
-            <a:schemeClr val="dk1"/>
-          </a:effectRef>
-          <a:fontRef idx="minor">
-            <a:schemeClr val="tx1"/>
-          </a:fontRef>
-        </p:style>
-      </p:cxnSp>
-      <p:sp>
-        <p:nvSpPr>
-          <p:cNvPr id="45" name="직사각형 44"/>
-          <p:cNvSpPr/>
-          <p:nvPr/>
-        </p:nvSpPr>
-        <p:spPr>
-          <a:xfrm>
-            <a:off x="4968959" y="3015402"/>
+            <a:off x="7328239" y="5039824"/>
             <a:ext cx="2112508" cy="411719"/>
           </a:xfrm>
           <a:prstGeom prst="rect">
@@ -8173,7 +7655,7 @@
                 <a:latin typeface="나눔바른고딕" panose="020B0603020101020101" pitchFamily="50" charset="-127"/>
                 <a:ea typeface="나눔바른고딕" panose="020B0603020101020101" pitchFamily="50" charset="-127"/>
               </a:rPr>
-              <a:t>쪽지</a:t>
+              <a:t>공지사항</a:t>
             </a:r>
             <a:endParaRPr lang="en-US" altLang="ko-KR" b="1" dirty="0">
               <a:ln>
@@ -8194,19 +7676,21 @@
       </p:sp>
       <p:cxnSp>
         <p:nvCxnSpPr>
-          <p:cNvPr id="47" name="직선 연결선 46"/>
-          <p:cNvCxnSpPr/>
+          <p:cNvPr id="15" name="직선 연결선 14"/>
+          <p:cNvCxnSpPr>
+            <a:stCxn id="30" idx="2"/>
+            <a:endCxn id="48" idx="0"/>
+          </p:cNvCxnSpPr>
           <p:nvPr/>
         </p:nvCxnSpPr>
         <p:spPr>
-          <a:xfrm flipV="1">
-            <a:off x="5992727" y="2429447"/>
-            <a:ext cx="0" cy="585957"/>
+          <a:xfrm>
+            <a:off x="8384493" y="4766881"/>
+            <a:ext cx="0" cy="272943"/>
           </a:xfrm>
           <a:prstGeom prst="line">
             <a:avLst/>
           </a:prstGeom>
-          <a:ln/>
         </p:spPr>
         <p:style>
           <a:lnRef idx="2">
@@ -8225,13 +7709,13 @@
       </p:cxnSp>
       <p:sp>
         <p:nvSpPr>
-          <p:cNvPr id="48" name="직사각형 47"/>
+          <p:cNvPr id="24" name="직사각형 23"/>
           <p:cNvSpPr/>
           <p:nvPr/>
         </p:nvSpPr>
         <p:spPr>
           <a:xfrm>
-            <a:off x="7328239" y="5039824"/>
+            <a:off x="7328239" y="5713507"/>
             <a:ext cx="2112508" cy="411719"/>
           </a:xfrm>
           <a:prstGeom prst="rect">
@@ -8288,9 +7772,9 @@
                 <a:latin typeface="나눔바른고딕" panose="020B0603020101020101" pitchFamily="50" charset="-127"/>
                 <a:ea typeface="나눔바른고딕" panose="020B0603020101020101" pitchFamily="50" charset="-127"/>
               </a:rPr>
-              <a:t>공지사항</a:t>
-            </a:r>
-            <a:endParaRPr lang="en-US" altLang="ko-KR" b="1" dirty="0">
+              <a:t>회원 혜택</a:t>
+            </a:r>
+            <a:endParaRPr lang="en-US" altLang="ko-KR" b="1" dirty="0" smtClean="0">
               <a:ln>
                 <a:solidFill>
                   <a:srgbClr val="EB5175">
@@ -8309,16 +7793,15 @@
       </p:sp>
       <p:cxnSp>
         <p:nvCxnSpPr>
-          <p:cNvPr id="15" name="직선 연결선 14"/>
+          <p:cNvPr id="26" name="직선 연결선 25"/>
           <p:cNvCxnSpPr>
-            <a:stCxn id="30" idx="2"/>
-            <a:endCxn id="48" idx="0"/>
+            <a:endCxn id="24" idx="0"/>
           </p:cNvCxnSpPr>
           <p:nvPr/>
         </p:nvCxnSpPr>
         <p:spPr>
           <a:xfrm>
-            <a:off x="8384493" y="4766881"/>
+            <a:off x="8384493" y="5440564"/>
             <a:ext cx="0" cy="272943"/>
           </a:xfrm>
           <a:prstGeom prst="line">
@@ -9648,7 +9131,7 @@
         <p:spPr>
           <a:xfrm>
             <a:off x="5047665" y="3020872"/>
-            <a:ext cx="1049960" cy="411719"/>
+            <a:ext cx="1049960" cy="499544"/>
           </a:xfrm>
           <a:prstGeom prst="rect">
             <a:avLst/>
@@ -9704,9 +9187,9 @@
                 <a:latin typeface="나눔바른고딕" panose="020B0603020101020101" pitchFamily="50" charset="-127"/>
                 <a:ea typeface="나눔바른고딕" panose="020B0603020101020101" pitchFamily="50" charset="-127"/>
               </a:rPr>
-              <a:t>카테고리 관리</a:t>
-            </a:r>
-            <a:endParaRPr lang="en-US" altLang="ko-KR" b="1" dirty="0">
+              <a:t>고객센터 관리</a:t>
+            </a:r>
+            <a:endParaRPr lang="en-US" altLang="ko-KR" b="1" dirty="0" smtClean="0">
               <a:ln>
                 <a:solidFill>
                   <a:srgbClr val="EB5175">
@@ -10436,23 +9919,6 @@
               </a:tabLst>
             </a:pPr>
             <a:r>
-              <a:rPr lang="ko-KR" altLang="en-US" b="1" dirty="0" err="1" smtClean="0">
-                <a:ln>
-                  <a:solidFill>
-                    <a:srgbClr val="EB5175">
-                      <a:alpha val="0"/>
-                    </a:srgbClr>
-                  </a:solidFill>
-                </a:ln>
-                <a:solidFill>
-                  <a:schemeClr val="bg1"/>
-                </a:solidFill>
-                <a:latin typeface="나눔바른고딕" panose="020B0603020101020101" pitchFamily="50" charset="-127"/>
-                <a:ea typeface="나눔바른고딕" panose="020B0603020101020101" pitchFamily="50" charset="-127"/>
-              </a:rPr>
-              <a:t>입점</a:t>
-            </a:r>
-            <a:r>
               <a:rPr lang="ko-KR" altLang="en-US" b="1" dirty="0" smtClean="0">
                 <a:ln>
                   <a:solidFill>
@@ -10467,7 +9933,7 @@
                 <a:latin typeface="나눔바른고딕" panose="020B0603020101020101" pitchFamily="50" charset="-127"/>
                 <a:ea typeface="나눔바른고딕" panose="020B0603020101020101" pitchFamily="50" charset="-127"/>
               </a:rPr>
-              <a:t> 브랜드</a:t>
+              <a:t>브랜드</a:t>
             </a:r>
             <a:endParaRPr lang="en-US" altLang="ko-KR" b="1" dirty="0">
               <a:ln>
@@ -10715,7 +10181,7 @@
                 <a:latin typeface="나눔바른고딕" panose="020B0603020101020101" pitchFamily="50" charset="-127"/>
                 <a:ea typeface="나눔바른고딕" panose="020B0603020101020101" pitchFamily="50" charset="-127"/>
               </a:rPr>
-              <a:t>회원 조회</a:t>
+              <a:t>회원</a:t>
             </a:r>
             <a:endParaRPr lang="en-US" altLang="ko-KR" b="1" dirty="0">
               <a:ln>
@@ -10768,13 +10234,13 @@
       </p:cxnSp>
       <p:sp>
         <p:nvSpPr>
-          <p:cNvPr id="36" name="직사각형 35"/>
+          <p:cNvPr id="40" name="직사각형 39"/>
           <p:cNvSpPr/>
           <p:nvPr/>
         </p:nvSpPr>
         <p:spPr>
           <a:xfrm>
-            <a:off x="2690584" y="4291531"/>
+            <a:off x="3855380" y="3640411"/>
             <a:ext cx="1049960" cy="411719"/>
           </a:xfrm>
           <a:prstGeom prst="rect">
@@ -10831,7 +10297,7 @@
                 <a:latin typeface="나눔바른고딕" panose="020B0603020101020101" pitchFamily="50" charset="-127"/>
                 <a:ea typeface="나눔바른고딕" panose="020B0603020101020101" pitchFamily="50" charset="-127"/>
               </a:rPr>
-              <a:t>비회원 조회</a:t>
+              <a:t>게시판</a:t>
             </a:r>
             <a:endParaRPr lang="en-US" altLang="ko-KR" b="1" dirty="0">
               <a:ln>
@@ -10852,13 +10318,13 @@
       </p:sp>
       <p:cxnSp>
         <p:nvCxnSpPr>
-          <p:cNvPr id="37" name="직선 연결선 36"/>
+          <p:cNvPr id="42" name="직선 연결선 41"/>
           <p:cNvCxnSpPr/>
           <p:nvPr/>
         </p:nvCxnSpPr>
         <p:spPr>
           <a:xfrm flipH="1">
-            <a:off x="3213100" y="4038655"/>
+            <a:off x="4382824" y="3428533"/>
             <a:ext cx="2464" cy="239463"/>
           </a:xfrm>
           <a:prstGeom prst="line">
@@ -10882,14 +10348,14 @@
       </p:cxnSp>
       <p:sp>
         <p:nvSpPr>
-          <p:cNvPr id="38" name="직사각형 37"/>
+          <p:cNvPr id="44" name="직사각형 43"/>
           <p:cNvSpPr/>
           <p:nvPr/>
         </p:nvSpPr>
         <p:spPr>
           <a:xfrm>
-            <a:off x="3857844" y="3640348"/>
-            <a:ext cx="1049960" cy="411719"/>
+            <a:off x="5047665" y="3716710"/>
+            <a:ext cx="1049960" cy="348771"/>
           </a:xfrm>
           <a:prstGeom prst="rect">
             <a:avLst/>
@@ -10931,6 +10397,23 @@
               </a:tabLst>
             </a:pPr>
             <a:r>
+              <a:rPr lang="en-US" altLang="ko-KR" b="1" dirty="0" smtClean="0">
+                <a:ln>
+                  <a:solidFill>
+                    <a:srgbClr val="EB5175">
+                      <a:alpha val="0"/>
+                    </a:srgbClr>
+                  </a:solidFill>
+                </a:ln>
+                <a:solidFill>
+                  <a:schemeClr val="bg1"/>
+                </a:solidFill>
+                <a:latin typeface="나눔바른고딕" panose="020B0603020101020101" pitchFamily="50" charset="-127"/>
+                <a:ea typeface="나눔바른고딕" panose="020B0603020101020101" pitchFamily="50" charset="-127"/>
+              </a:rPr>
+              <a:t>1:1 </a:t>
+            </a:r>
+            <a:r>
               <a:rPr lang="ko-KR" altLang="en-US" b="1" dirty="0" smtClean="0">
                 <a:ln>
                   <a:solidFill>
@@ -10945,9 +10428,9 @@
                 <a:latin typeface="나눔바른고딕" panose="020B0603020101020101" pitchFamily="50" charset="-127"/>
                 <a:ea typeface="나눔바른고딕" panose="020B0603020101020101" pitchFamily="50" charset="-127"/>
               </a:rPr>
-              <a:t>전체 게시판</a:t>
-            </a:r>
-            <a:endParaRPr lang="en-US" altLang="ko-KR" b="1" dirty="0">
+              <a:t>문의</a:t>
+            </a:r>
+            <a:endParaRPr lang="en-US" altLang="ko-KR" b="1" dirty="0" smtClean="0">
               <a:ln>
                 <a:solidFill>
                   <a:srgbClr val="EB5175">
@@ -10966,15 +10449,15 @@
       </p:sp>
       <p:cxnSp>
         <p:nvCxnSpPr>
-          <p:cNvPr id="39" name="직선 연결선 38"/>
+          <p:cNvPr id="50" name="직선 연결선 49"/>
           <p:cNvCxnSpPr>
-            <a:endCxn id="38" idx="0"/>
+            <a:endCxn id="44" idx="0"/>
           </p:cNvCxnSpPr>
           <p:nvPr/>
         </p:nvCxnSpPr>
         <p:spPr>
           <a:xfrm>
-            <a:off x="4382824" y="3427309"/>
+            <a:off x="5572645" y="3503671"/>
             <a:ext cx="0" cy="213039"/>
           </a:xfrm>
           <a:prstGeom prst="line">
@@ -10998,13 +10481,13 @@
       </p:cxnSp>
       <p:sp>
         <p:nvSpPr>
-          <p:cNvPr id="40" name="직사각형 39"/>
+          <p:cNvPr id="63" name="직사각형 62"/>
           <p:cNvSpPr/>
           <p:nvPr/>
         </p:nvSpPr>
         <p:spPr>
           <a:xfrm>
-            <a:off x="3855380" y="4291530"/>
+            <a:off x="6212273" y="3640349"/>
             <a:ext cx="1049960" cy="411719"/>
           </a:xfrm>
           <a:prstGeom prst="rect">
@@ -11061,7 +10544,7 @@
                 <a:latin typeface="나눔바른고딕" panose="020B0603020101020101" pitchFamily="50" charset="-127"/>
                 <a:ea typeface="나눔바른고딕" panose="020B0603020101020101" pitchFamily="50" charset="-127"/>
               </a:rPr>
-              <a:t>새 게시판 등록</a:t>
+              <a:t>이벤트 목록</a:t>
             </a:r>
             <a:endParaRPr lang="en-US" altLang="ko-KR" b="1" dirty="0">
               <a:ln>
@@ -11082,14 +10565,16 @@
       </p:sp>
       <p:cxnSp>
         <p:nvCxnSpPr>
-          <p:cNvPr id="42" name="직선 연결선 41"/>
-          <p:cNvCxnSpPr/>
+          <p:cNvPr id="64" name="직선 연결선 63"/>
+          <p:cNvCxnSpPr>
+            <a:endCxn id="63" idx="0"/>
+          </p:cNvCxnSpPr>
           <p:nvPr/>
         </p:nvCxnSpPr>
         <p:spPr>
-          <a:xfrm flipH="1">
-            <a:off x="4377896" y="4038654"/>
-            <a:ext cx="2464" cy="239463"/>
+          <a:xfrm>
+            <a:off x="6737253" y="3427310"/>
+            <a:ext cx="0" cy="213039"/>
           </a:xfrm>
           <a:prstGeom prst="line">
             <a:avLst/>
@@ -11112,14 +10597,14 @@
       </p:cxnSp>
       <p:sp>
         <p:nvSpPr>
-          <p:cNvPr id="44" name="직사각형 43"/>
+          <p:cNvPr id="65" name="직사각형 64"/>
           <p:cNvSpPr/>
           <p:nvPr/>
         </p:nvSpPr>
         <p:spPr>
           <a:xfrm>
-            <a:off x="5047665" y="3626936"/>
-            <a:ext cx="1049960" cy="1089727"/>
+            <a:off x="6209809" y="4291531"/>
+            <a:ext cx="1049960" cy="411719"/>
           </a:xfrm>
           <a:prstGeom prst="rect">
             <a:avLst/>
@@ -11175,7 +10660,7 @@
                 <a:latin typeface="나눔바른고딕" panose="020B0603020101020101" pitchFamily="50" charset="-127"/>
                 <a:ea typeface="나눔바른고딕" panose="020B0603020101020101" pitchFamily="50" charset="-127"/>
               </a:rPr>
-              <a:t>상품 카테고리 관리</a:t>
+              <a:t>쿠폰 목록</a:t>
             </a:r>
             <a:endParaRPr lang="en-US" altLang="ko-KR" b="1" dirty="0">
               <a:ln>
@@ -11196,45 +10681,43 @@
       </p:sp>
       <p:cxnSp>
         <p:nvCxnSpPr>
-          <p:cNvPr id="50" name="직선 연결선 49"/>
-          <p:cNvCxnSpPr>
-            <a:endCxn id="44" idx="0"/>
-          </p:cNvCxnSpPr>
+          <p:cNvPr id="66" name="직선 연결선 65"/>
+          <p:cNvCxnSpPr/>
           <p:nvPr/>
         </p:nvCxnSpPr>
         <p:spPr>
+          <a:xfrm flipH="1">
+            <a:off x="6732325" y="4038655"/>
+            <a:ext cx="2464" cy="239463"/>
+          </a:xfrm>
+          <a:prstGeom prst="line">
+            <a:avLst/>
+          </a:prstGeom>
+        </p:spPr>
+        <p:style>
+          <a:lnRef idx="2">
+            <a:schemeClr val="dk1"/>
+          </a:lnRef>
+          <a:fillRef idx="0">
+            <a:schemeClr val="dk1"/>
+          </a:fillRef>
+          <a:effectRef idx="1">
+            <a:schemeClr val="dk1"/>
+          </a:effectRef>
+          <a:fontRef idx="minor">
+            <a:schemeClr val="tx1"/>
+          </a:fontRef>
+        </p:style>
+      </p:cxnSp>
+      <p:sp>
+        <p:nvSpPr>
+          <p:cNvPr id="67" name="직사각형 66"/>
+          <p:cNvSpPr/>
+          <p:nvPr/>
+        </p:nvSpPr>
+        <p:spPr>
           <a:xfrm>
-            <a:off x="5572645" y="3413897"/>
-            <a:ext cx="0" cy="213039"/>
-          </a:xfrm>
-          <a:prstGeom prst="line">
-            <a:avLst/>
-          </a:prstGeom>
-        </p:spPr>
-        <p:style>
-          <a:lnRef idx="2">
-            <a:schemeClr val="dk1"/>
-          </a:lnRef>
-          <a:fillRef idx="0">
-            <a:schemeClr val="dk1"/>
-          </a:fillRef>
-          <a:effectRef idx="1">
-            <a:schemeClr val="dk1"/>
-          </a:effectRef>
-          <a:fontRef idx="minor">
-            <a:schemeClr val="tx1"/>
-          </a:fontRef>
-        </p:style>
-      </p:cxnSp>
-      <p:sp>
-        <p:nvSpPr>
-          <p:cNvPr id="63" name="직사각형 62"/>
-          <p:cNvSpPr/>
-          <p:nvPr/>
-        </p:nvSpPr>
-        <p:spPr>
-          <a:xfrm>
-            <a:off x="6212273" y="3640349"/>
+            <a:off x="7432826" y="3635561"/>
             <a:ext cx="1049960" cy="411719"/>
           </a:xfrm>
           <a:prstGeom prst="rect">
@@ -11291,9 +10774,9 @@
                 <a:latin typeface="나눔바른고딕" panose="020B0603020101020101" pitchFamily="50" charset="-127"/>
                 <a:ea typeface="나눔바른고딕" panose="020B0603020101020101" pitchFamily="50" charset="-127"/>
               </a:rPr>
-              <a:t>이벤트 목록</a:t>
-            </a:r>
-            <a:endParaRPr lang="en-US" altLang="ko-KR" b="1" dirty="0">
+              <a:t>상품</a:t>
+            </a:r>
+            <a:endParaRPr lang="en-US" altLang="ko-KR" b="1" dirty="0" smtClean="0">
               <a:ln>
                 <a:solidFill>
                   <a:srgbClr val="EB5175">
@@ -11312,15 +10795,15 @@
       </p:sp>
       <p:cxnSp>
         <p:nvCxnSpPr>
-          <p:cNvPr id="64" name="직선 연결선 63"/>
+          <p:cNvPr id="68" name="직선 연결선 67"/>
           <p:cNvCxnSpPr>
-            <a:endCxn id="63" idx="0"/>
+            <a:endCxn id="67" idx="0"/>
           </p:cNvCxnSpPr>
           <p:nvPr/>
         </p:nvCxnSpPr>
         <p:spPr>
           <a:xfrm>
-            <a:off x="6737253" y="3427310"/>
+            <a:off x="7957806" y="3422522"/>
             <a:ext cx="0" cy="213039"/>
           </a:xfrm>
           <a:prstGeom prst="line">
@@ -11344,14 +10827,14 @@
       </p:cxnSp>
       <p:sp>
         <p:nvSpPr>
-          <p:cNvPr id="65" name="직사각형 64"/>
+          <p:cNvPr id="69" name="직사각형 68"/>
           <p:cNvSpPr/>
           <p:nvPr/>
         </p:nvSpPr>
         <p:spPr>
           <a:xfrm>
-            <a:off x="6209809" y="4291531"/>
-            <a:ext cx="1049960" cy="411719"/>
+            <a:off x="7430362" y="4286743"/>
+            <a:ext cx="1049960" cy="518526"/>
           </a:xfrm>
           <a:prstGeom prst="rect">
             <a:avLst/>
@@ -11407,7 +10890,7 @@
                 <a:latin typeface="나눔바른고딕" panose="020B0603020101020101" pitchFamily="50" charset="-127"/>
                 <a:ea typeface="나눔바른고딕" panose="020B0603020101020101" pitchFamily="50" charset="-127"/>
               </a:rPr>
-              <a:t>쿠폰 목록</a:t>
+              <a:t>상품 카테고리</a:t>
             </a:r>
             <a:endParaRPr lang="en-US" altLang="ko-KR" b="1" dirty="0">
               <a:ln>
@@ -11428,13 +10911,13 @@
       </p:sp>
       <p:cxnSp>
         <p:nvCxnSpPr>
-          <p:cNvPr id="66" name="직선 연결선 65"/>
+          <p:cNvPr id="70" name="직선 연결선 69"/>
           <p:cNvCxnSpPr/>
           <p:nvPr/>
         </p:nvCxnSpPr>
         <p:spPr>
           <a:xfrm flipH="1">
-            <a:off x="6732325" y="4038655"/>
+            <a:off x="7952878" y="4033867"/>
             <a:ext cx="2464" cy="239463"/>
           </a:xfrm>
           <a:prstGeom prst="line">
@@ -11458,14 +10941,14 @@
       </p:cxnSp>
       <p:sp>
         <p:nvSpPr>
-          <p:cNvPr id="67" name="직사각형 66"/>
+          <p:cNvPr id="45" name="직사각형 44"/>
           <p:cNvSpPr/>
           <p:nvPr/>
         </p:nvSpPr>
         <p:spPr>
           <a:xfrm>
-            <a:off x="7432826" y="3635561"/>
-            <a:ext cx="1049960" cy="411719"/>
+            <a:off x="5047665" y="4273330"/>
+            <a:ext cx="1049960" cy="429920"/>
           </a:xfrm>
           <a:prstGeom prst="rect">
             <a:avLst/>
@@ -11521,9 +11004,9 @@
                 <a:latin typeface="나눔바른고딕" panose="020B0603020101020101" pitchFamily="50" charset="-127"/>
                 <a:ea typeface="나눔바른고딕" panose="020B0603020101020101" pitchFamily="50" charset="-127"/>
               </a:rPr>
-              <a:t>재고 관리</a:t>
-            </a:r>
-            <a:endParaRPr lang="en-US" altLang="ko-KR" b="1" dirty="0">
+              <a:t>자주 묻는 질문</a:t>
+            </a:r>
+            <a:endParaRPr lang="en-US" altLang="ko-KR" b="1" dirty="0" smtClean="0">
               <a:ln>
                 <a:solidFill>
                   <a:srgbClr val="EB5175">
@@ -11542,15 +11025,15 @@
       </p:sp>
       <p:cxnSp>
         <p:nvCxnSpPr>
-          <p:cNvPr id="68" name="직선 연결선 67"/>
+          <p:cNvPr id="47" name="직선 연결선 46"/>
           <p:cNvCxnSpPr>
-            <a:endCxn id="67" idx="0"/>
+            <a:endCxn id="45" idx="0"/>
           </p:cNvCxnSpPr>
           <p:nvPr/>
         </p:nvCxnSpPr>
         <p:spPr>
           <a:xfrm>
-            <a:off x="7957806" y="3422522"/>
+            <a:off x="5572645" y="4060291"/>
             <a:ext cx="0" cy="213039"/>
           </a:xfrm>
           <a:prstGeom prst="line">
@@ -11574,14 +11057,14 @@
       </p:cxnSp>
       <p:sp>
         <p:nvSpPr>
-          <p:cNvPr id="69" name="직사각형 68"/>
+          <p:cNvPr id="57" name="직사각형 56"/>
           <p:cNvSpPr/>
           <p:nvPr/>
         </p:nvSpPr>
         <p:spPr>
           <a:xfrm>
-            <a:off x="7430362" y="4286743"/>
-            <a:ext cx="1049960" cy="411719"/>
+            <a:off x="5061482" y="4907197"/>
+            <a:ext cx="1049960" cy="348771"/>
           </a:xfrm>
           <a:prstGeom prst="rect">
             <a:avLst/>
@@ -11637,9 +11120,9 @@
                 <a:latin typeface="나눔바른고딕" panose="020B0603020101020101" pitchFamily="50" charset="-127"/>
                 <a:ea typeface="나눔바른고딕" panose="020B0603020101020101" pitchFamily="50" charset="-127"/>
               </a:rPr>
-              <a:t>일일 판매량</a:t>
-            </a:r>
-            <a:endParaRPr lang="en-US" altLang="ko-KR" b="1" dirty="0">
+              <a:t>공지사항</a:t>
+            </a:r>
+            <a:endParaRPr lang="en-US" altLang="ko-KR" b="1" dirty="0" smtClean="0">
               <a:ln>
                 <a:solidFill>
                   <a:srgbClr val="EB5175">
@@ -11658,131 +11141,14 @@
       </p:sp>
       <p:cxnSp>
         <p:nvCxnSpPr>
-          <p:cNvPr id="70" name="직선 연결선 69"/>
+          <p:cNvPr id="58" name="직선 연결선 57"/>
           <p:cNvCxnSpPr/>
           <p:nvPr/>
         </p:nvCxnSpPr>
         <p:spPr>
-          <a:xfrm flipH="1">
-            <a:off x="7952878" y="4033867"/>
-            <a:ext cx="2464" cy="239463"/>
-          </a:xfrm>
-          <a:prstGeom prst="line">
-            <a:avLst/>
-          </a:prstGeom>
-        </p:spPr>
-        <p:style>
-          <a:lnRef idx="2">
-            <a:schemeClr val="dk1"/>
-          </a:lnRef>
-          <a:fillRef idx="0">
-            <a:schemeClr val="dk1"/>
-          </a:fillRef>
-          <a:effectRef idx="1">
-            <a:schemeClr val="dk1"/>
-          </a:effectRef>
-          <a:fontRef idx="minor">
-            <a:schemeClr val="tx1"/>
-          </a:fontRef>
-        </p:style>
-      </p:cxnSp>
-      <p:sp>
-        <p:nvSpPr>
-          <p:cNvPr id="71" name="직사각형 70"/>
-          <p:cNvSpPr/>
-          <p:nvPr/>
-        </p:nvSpPr>
-        <p:spPr>
           <a:xfrm>
-            <a:off x="2688120" y="4907288"/>
-            <a:ext cx="1049960" cy="411719"/>
-          </a:xfrm>
-          <a:prstGeom prst="rect">
-            <a:avLst/>
-          </a:prstGeom>
-          <a:solidFill>
-            <a:srgbClr val="3E3D43"/>
-          </a:solidFill>
-          <a:ln>
-            <a:noFill/>
-          </a:ln>
-        </p:spPr>
-        <p:style>
-          <a:lnRef idx="2">
-            <a:schemeClr val="accent1">
-              <a:shade val="50000"/>
-            </a:schemeClr>
-          </a:lnRef>
-          <a:fillRef idx="1">
-            <a:schemeClr val="accent1"/>
-          </a:fillRef>
-          <a:effectRef idx="0">
-            <a:schemeClr val="accent1"/>
-          </a:effectRef>
-          <a:fontRef idx="minor">
-            <a:schemeClr val="lt1"/>
-          </a:fontRef>
-        </p:style>
-        <p:txBody>
-          <a:bodyPr rtlCol="0" anchor="ctr"/>
-          <a:lstStyle/>
-          <a:p>
-            <a:pPr algn="ctr" latinLnBrk="0">
-              <a:spcBef>
-                <a:spcPts val="171"/>
-              </a:spcBef>
-              <a:tabLst>
-                <a:tab pos="60873" algn="l"/>
-                <a:tab pos="97396" algn="l"/>
-              </a:tabLst>
-            </a:pPr>
-            <a:r>
-              <a:rPr lang="ko-KR" altLang="en-US" b="1" dirty="0" err="1" smtClean="0">
-                <a:ln>
-                  <a:solidFill>
-                    <a:srgbClr val="EB5175">
-                      <a:alpha val="0"/>
-                    </a:srgbClr>
-                  </a:solidFill>
-                </a:ln>
-                <a:solidFill>
-                  <a:schemeClr val="bg1"/>
-                </a:solidFill>
-                <a:latin typeface="나눔바른고딕" panose="020B0603020101020101" pitchFamily="50" charset="-127"/>
-                <a:ea typeface="나눔바른고딕" panose="020B0603020101020101" pitchFamily="50" charset="-127"/>
-              </a:rPr>
-              <a:t>쪽지함</a:t>
-            </a:r>
-            <a:endParaRPr lang="en-US" altLang="ko-KR" b="1" dirty="0">
-              <a:ln>
-                <a:solidFill>
-                  <a:srgbClr val="EB5175">
-                    <a:alpha val="0"/>
-                  </a:srgbClr>
-                </a:solidFill>
-              </a:ln>
-              <a:solidFill>
-                <a:schemeClr val="bg1"/>
-              </a:solidFill>
-              <a:latin typeface="나눔바른고딕" panose="020B0603020101020101" pitchFamily="50" charset="-127"/>
-              <a:ea typeface="나눔바른고딕" panose="020B0603020101020101" pitchFamily="50" charset="-127"/>
-            </a:endParaRPr>
-          </a:p>
-        </p:txBody>
-      </p:sp>
-      <p:cxnSp>
-        <p:nvCxnSpPr>
-          <p:cNvPr id="13" name="직선 연결선 12"/>
-          <p:cNvCxnSpPr>
-            <a:stCxn id="36" idx="2"/>
-            <a:endCxn id="71" idx="0"/>
-          </p:cNvCxnSpPr>
-          <p:nvPr/>
-        </p:nvCxnSpPr>
-        <p:spPr>
-          <a:xfrm flipH="1">
-            <a:off x="3213100" y="4703250"/>
-            <a:ext cx="2464" cy="204038"/>
+            <a:off x="5586462" y="4694158"/>
+            <a:ext cx="0" cy="213039"/>
           </a:xfrm>
           <a:prstGeom prst="line">
             <a:avLst/>
